--- a/Java基础/Java基础培训-基础语法.pptx
+++ b/Java基础/Java基础培训-基础语法.pptx
@@ -5,10 +5,10 @@
     <p:sldMasterId id="2147483648" r:id="rId1"/>
   </p:sldMasterIdLst>
   <p:notesMasterIdLst>
-    <p:notesMasterId r:id="rId34"/>
+    <p:notesMasterId r:id="rId37"/>
   </p:notesMasterIdLst>
   <p:handoutMasterIdLst>
-    <p:handoutMasterId r:id="rId35"/>
+    <p:handoutMasterId r:id="rId38"/>
   </p:handoutMasterIdLst>
   <p:sldIdLst>
     <p:sldId id="268" r:id="rId2"/>
@@ -37,12 +37,15 @@
     <p:sldId id="340" r:id="rId25"/>
     <p:sldId id="341" r:id="rId26"/>
     <p:sldId id="342" r:id="rId27"/>
-    <p:sldId id="343" r:id="rId28"/>
-    <p:sldId id="344" r:id="rId29"/>
-    <p:sldId id="314" r:id="rId30"/>
-    <p:sldId id="316" r:id="rId31"/>
-    <p:sldId id="289" r:id="rId32"/>
-    <p:sldId id="293" r:id="rId33"/>
+    <p:sldId id="345" r:id="rId28"/>
+    <p:sldId id="346" r:id="rId29"/>
+    <p:sldId id="347" r:id="rId30"/>
+    <p:sldId id="343" r:id="rId31"/>
+    <p:sldId id="344" r:id="rId32"/>
+    <p:sldId id="314" r:id="rId33"/>
+    <p:sldId id="316" r:id="rId34"/>
+    <p:sldId id="289" r:id="rId35"/>
+    <p:sldId id="293" r:id="rId36"/>
   </p:sldIdLst>
   <p:sldSz cx="9144000" cy="6858000" type="screen4x3"/>
   <p:notesSz cx="6858000" cy="9144000"/>
@@ -9413,7 +9416,7 @@
                 </a:solidFill>
               </a:rPr>
               <a:pPr/>
-              <a:t>31</a:t>
+              <a:t>34</a:t>
             </a:fld>
             <a:endParaRPr lang="en-GB" altLang="en-US" sz="1200" b="0">
               <a:solidFill>
@@ -9745,7 +9748,7 @@
                 </a:solidFill>
               </a:rPr>
               <a:pPr/>
-              <a:t>32</a:t>
+              <a:t>35</a:t>
             </a:fld>
             <a:endParaRPr lang="en-GB" altLang="en-US" sz="1200" b="0">
               <a:solidFill>
@@ -17440,8 +17443,8 @@
         </p:nvSpPr>
         <p:spPr>
           <a:xfrm>
-            <a:off x="3815542" y="2348274"/>
-            <a:ext cx="5328458" cy="3046988"/>
+            <a:off x="3815542" y="1952489"/>
+            <a:ext cx="5328458" cy="3939540"/>
           </a:xfrm>
           <a:prstGeom prst="rect">
             <a:avLst/>
@@ -17466,7 +17469,7 @@
               <a:buAutoNum type="arabicParenBoth"/>
             </a:pPr>
             <a:r>
-              <a:rPr lang="zh-CN" altLang="en-US" sz="1200" dirty="0" smtClean="0">
+              <a:rPr lang="zh-CN" altLang="en-US" sz="1400" dirty="0" smtClean="0">
                 <a:solidFill>
                   <a:schemeClr val="accent1">
                     <a:lumMod val="10000"/>
@@ -17476,7 +17479,7 @@
               <a:t>hashCode</a:t>
             </a:r>
             <a:r>
-              <a:rPr lang="zh-CN" altLang="en-US" sz="1200" dirty="0">
+              <a:rPr lang="zh-CN" altLang="en-US" sz="1400" dirty="0">
                 <a:solidFill>
                   <a:schemeClr val="accent1">
                     <a:lumMod val="10000"/>
@@ -17486,7 +17489,7 @@
               <a:t>的存在主要是用于查找的快捷性，如Hashtable，HashMap等，hashCode是用来在散列存储结构中确定对象的存储地址的；HashCode方法的主要作用是为了配合基于散列的集合一起正常运行，这样的散列集合包括HashSet、HashMap以及HashTable</a:t>
             </a:r>
             <a:r>
-              <a:rPr lang="zh-CN" altLang="en-US" sz="1200" dirty="0" smtClean="0">
+              <a:rPr lang="zh-CN" altLang="en-US" sz="1400" dirty="0" smtClean="0">
                 <a:solidFill>
                   <a:schemeClr val="accent1">
                     <a:lumMod val="10000"/>
@@ -17495,7 +17498,7 @@
               </a:rPr>
               <a:t>。</a:t>
             </a:r>
-            <a:endParaRPr lang="en-US" altLang="zh-CN" sz="1200" dirty="0" smtClean="0">
+            <a:endParaRPr lang="en-US" altLang="zh-CN" sz="1400" dirty="0" smtClean="0">
               <a:solidFill>
                 <a:schemeClr val="accent1">
                   <a:lumMod val="10000"/>
@@ -17507,7 +17510,7 @@
             <a:pPr marL="228600" indent="-228600">
               <a:buAutoNum type="arabicParenBoth"/>
             </a:pPr>
-            <a:endParaRPr lang="zh-CN" altLang="en-US" sz="1200" dirty="0">
+            <a:endParaRPr lang="zh-CN" altLang="en-US" sz="1400" dirty="0">
               <a:solidFill>
                 <a:schemeClr val="accent1">
                   <a:lumMod val="10000"/>
@@ -17517,7 +17520,7 @@
           </a:p>
           <a:p>
             <a:r>
-              <a:rPr lang="zh-CN" altLang="en-US" sz="1200" dirty="0">
+              <a:rPr lang="zh-CN" altLang="en-US" sz="1400" dirty="0">
                 <a:solidFill>
                   <a:schemeClr val="accent1">
                     <a:lumMod val="10000"/>
@@ -17527,7 +17530,7 @@
               <a:t>(2) 如果两个对象相同，就是适用于equals(Java.lang.Object) 方法，那么这两个对象的hashCode一定要相同</a:t>
             </a:r>
             <a:r>
-              <a:rPr lang="zh-CN" altLang="en-US" sz="1200" dirty="0" smtClean="0">
+              <a:rPr lang="zh-CN" altLang="en-US" sz="1400" dirty="0" smtClean="0">
                 <a:solidFill>
                   <a:schemeClr val="accent1">
                     <a:lumMod val="10000"/>
@@ -17536,7 +17539,7 @@
               </a:rPr>
               <a:t>；</a:t>
             </a:r>
-            <a:endParaRPr lang="en-US" altLang="zh-CN" sz="1200" dirty="0" smtClean="0">
+            <a:endParaRPr lang="en-US" altLang="zh-CN" sz="1400" dirty="0" smtClean="0">
               <a:solidFill>
                 <a:schemeClr val="accent1">
                   <a:lumMod val="10000"/>
@@ -17545,7 +17548,7 @@
             </a:endParaRPr>
           </a:p>
           <a:p>
-            <a:endParaRPr lang="zh-CN" altLang="en-US" sz="1200" dirty="0">
+            <a:endParaRPr lang="zh-CN" altLang="en-US" sz="1400" dirty="0">
               <a:solidFill>
                 <a:schemeClr val="accent1">
                   <a:lumMod val="10000"/>
@@ -17555,7 +17558,7 @@
           </a:p>
           <a:p>
             <a:r>
-              <a:rPr lang="zh-CN" altLang="en-US" sz="1200" dirty="0">
+              <a:rPr lang="zh-CN" altLang="en-US" sz="1400" dirty="0">
                 <a:solidFill>
                   <a:schemeClr val="accent1">
                     <a:lumMod val="10000"/>
@@ -17565,7 +17568,7 @@
               <a:t>(3) 如果对象的equals方法被重写，那么对象的hashCode也尽量重写，并且产生hashCode使用的对象，一定要和equals方法中使用的一致，否则就会违反上面提到的第2点</a:t>
             </a:r>
             <a:r>
-              <a:rPr lang="zh-CN" altLang="en-US" sz="1200" dirty="0" smtClean="0">
+              <a:rPr lang="zh-CN" altLang="en-US" sz="1400" dirty="0" smtClean="0">
                 <a:solidFill>
                   <a:schemeClr val="accent1">
                     <a:lumMod val="10000"/>
@@ -17574,7 +17577,7 @@
               </a:rPr>
               <a:t>；</a:t>
             </a:r>
-            <a:endParaRPr lang="en-US" altLang="zh-CN" sz="1200" dirty="0" smtClean="0">
+            <a:endParaRPr lang="en-US" altLang="zh-CN" sz="1400" dirty="0" smtClean="0">
               <a:solidFill>
                 <a:schemeClr val="accent1">
                   <a:lumMod val="10000"/>
@@ -17583,7 +17586,7 @@
             </a:endParaRPr>
           </a:p>
           <a:p>
-            <a:endParaRPr lang="zh-CN" altLang="en-US" sz="1200" dirty="0">
+            <a:endParaRPr lang="zh-CN" altLang="en-US" sz="1400" dirty="0">
               <a:solidFill>
                 <a:schemeClr val="accent1">
                   <a:lumMod val="10000"/>
@@ -17593,7 +17596,7 @@
           </a:p>
           <a:p>
             <a:r>
-              <a:rPr lang="zh-CN" altLang="en-US" sz="1200" dirty="0">
+              <a:rPr lang="zh-CN" altLang="en-US" sz="1400" dirty="0">
                 <a:solidFill>
                   <a:schemeClr val="accent1">
                     <a:lumMod val="10000"/>
@@ -17711,16 +17714,7 @@
                 </a:solidFill>
                 <a:latin typeface="+mn-ea"/>
               </a:rPr>
-              <a:t>语法</a:t>
-            </a:r>
-            <a:r>
-              <a:rPr lang="zh-CN" altLang="en-US" sz="4000" b="0" dirty="0" smtClean="0">
-                <a:solidFill>
-                  <a:srgbClr val="0067AC"/>
-                </a:solidFill>
-                <a:latin typeface="+mn-ea"/>
-              </a:rPr>
-              <a:t>基础</a:t>
+              <a:t>语法基础</a:t>
             </a:r>
             <a:endParaRPr lang="en-US" altLang="zh-CN" sz="4000" b="0" dirty="0" smtClean="0">
               <a:solidFill>
@@ -18762,17 +18756,7 @@
                   </a:schemeClr>
                 </a:solidFill>
               </a:rPr>
-              <a:t>一</a:t>
-            </a:r>
-            <a:r>
-              <a:rPr lang="zh-CN" altLang="en-US" sz="1800" dirty="0">
-                <a:solidFill>
-                  <a:schemeClr val="accent1">
-                    <a:lumMod val="10000"/>
-                  </a:schemeClr>
-                </a:solidFill>
-              </a:rPr>
-              <a:t>个类的定义放在另一个类的定义内部，这就是内部类</a:t>
+              <a:t>一个类的定义放在另一个类的定义内部，这就是内部类</a:t>
             </a:r>
             <a:r>
               <a:rPr lang="zh-CN" altLang="en-US" sz="1800" dirty="0" smtClean="0">
@@ -19485,6 +19469,179 @@
           </a:prstGeom>
         </p:spPr>
       </p:pic>
+      <p:sp>
+        <p:nvSpPr>
+          <p:cNvPr id="3" name="矩形 2"/>
+          <p:cNvSpPr/>
+          <p:nvPr/>
+        </p:nvSpPr>
+        <p:spPr>
+          <a:xfrm>
+            <a:off x="1685498" y="2046532"/>
+            <a:ext cx="5274859" cy="1815882"/>
+          </a:xfrm>
+          <a:prstGeom prst="rect">
+            <a:avLst/>
+          </a:prstGeom>
+        </p:spPr>
+        <p:txBody>
+          <a:bodyPr wrap="square">
+            <a:spAutoFit/>
+          </a:bodyPr>
+          <a:lstStyle/>
+          <a:p>
+            <a:pPr>
+              <a:buFont typeface="Wingdings" pitchFamily="2" charset="2"/>
+              <a:buChar char="§"/>
+            </a:pPr>
+            <a:r>
+              <a:rPr lang="zh-CN" altLang="en-US" sz="1600" b="0" dirty="0" smtClean="0">
+                <a:solidFill>
+                  <a:srgbClr val="0067AC"/>
+                </a:solidFill>
+              </a:rPr>
+              <a:t>五个关键字：</a:t>
+            </a:r>
+            <a:r>
+              <a:rPr lang="en-US" altLang="zh-CN" sz="1600" b="0" dirty="0">
+                <a:solidFill>
+                  <a:srgbClr val="0067AC"/>
+                </a:solidFill>
+              </a:rPr>
+              <a:t>try</a:t>
+            </a:r>
+            <a:r>
+              <a:rPr lang="zh-CN" altLang="en-US" sz="1600" b="0" dirty="0">
+                <a:solidFill>
+                  <a:srgbClr val="0067AC"/>
+                </a:solidFill>
+              </a:rPr>
+              <a:t>、</a:t>
+            </a:r>
+            <a:r>
+              <a:rPr lang="en-US" altLang="zh-CN" sz="1600" b="0" dirty="0">
+                <a:solidFill>
+                  <a:srgbClr val="0067AC"/>
+                </a:solidFill>
+              </a:rPr>
+              <a:t>catch</a:t>
+            </a:r>
+            <a:r>
+              <a:rPr lang="zh-CN" altLang="en-US" sz="1600" b="0" dirty="0">
+                <a:solidFill>
+                  <a:srgbClr val="0067AC"/>
+                </a:solidFill>
+              </a:rPr>
+              <a:t>、</a:t>
+            </a:r>
+            <a:r>
+              <a:rPr lang="en-US" altLang="zh-CN" sz="1600" b="0" dirty="0">
+                <a:solidFill>
+                  <a:srgbClr val="0067AC"/>
+                </a:solidFill>
+              </a:rPr>
+              <a:t>finally</a:t>
+            </a:r>
+            <a:r>
+              <a:rPr lang="zh-CN" altLang="en-US" sz="1600" b="0" dirty="0">
+                <a:solidFill>
+                  <a:srgbClr val="0067AC"/>
+                </a:solidFill>
+              </a:rPr>
+              <a:t>、</a:t>
+            </a:r>
+            <a:r>
+              <a:rPr lang="en-US" altLang="zh-CN" sz="1600" b="0" dirty="0">
+                <a:solidFill>
+                  <a:srgbClr val="0067AC"/>
+                </a:solidFill>
+              </a:rPr>
+              <a:t>throw</a:t>
+            </a:r>
+            <a:r>
+              <a:rPr lang="zh-CN" altLang="en-US" sz="1600" b="0" dirty="0">
+                <a:solidFill>
+                  <a:srgbClr val="0067AC"/>
+                </a:solidFill>
+              </a:rPr>
+              <a:t>、</a:t>
+            </a:r>
+            <a:r>
+              <a:rPr lang="en-US" altLang="zh-CN" sz="1600" b="0" dirty="0" smtClean="0">
+                <a:solidFill>
+                  <a:srgbClr val="0067AC"/>
+                </a:solidFill>
+              </a:rPr>
+              <a:t>throws</a:t>
+            </a:r>
+          </a:p>
+          <a:p>
+            <a:endParaRPr lang="en-US" altLang="zh-CN" sz="1600" b="0" dirty="0" smtClean="0">
+              <a:solidFill>
+                <a:srgbClr val="0067AC"/>
+              </a:solidFill>
+            </a:endParaRPr>
+          </a:p>
+          <a:p>
+            <a:r>
+              <a:rPr lang="en-US" altLang="zh-CN" sz="1600" b="0" dirty="0">
+                <a:solidFill>
+                  <a:srgbClr val="0067AC"/>
+                </a:solidFill>
+              </a:rPr>
+              <a:t>t</a:t>
+            </a:r>
+            <a:r>
+              <a:rPr lang="en-US" altLang="zh-CN" sz="1600" b="0" dirty="0" smtClean="0">
+                <a:solidFill>
+                  <a:srgbClr val="0067AC"/>
+                </a:solidFill>
+              </a:rPr>
+              <a:t>ry {</a:t>
+            </a:r>
+          </a:p>
+          <a:p>
+            <a:endParaRPr lang="en-US" altLang="zh-CN" sz="1600" b="0" dirty="0" smtClean="0">
+              <a:solidFill>
+                <a:srgbClr val="0067AC"/>
+              </a:solidFill>
+            </a:endParaRPr>
+          </a:p>
+          <a:p>
+            <a:pPr>
+              <a:buFont typeface="Wingdings" pitchFamily="2" charset="2"/>
+              <a:buChar char="§"/>
+            </a:pPr>
+            <a:endParaRPr lang="en-US" altLang="zh-CN" sz="1600" b="0" dirty="0" smtClean="0">
+              <a:solidFill>
+                <a:srgbClr val="0067AC"/>
+              </a:solidFill>
+            </a:endParaRPr>
+          </a:p>
+          <a:p>
+            <a:pPr>
+              <a:buFont typeface="Wingdings" pitchFamily="2" charset="2"/>
+              <a:buChar char="§"/>
+            </a:pPr>
+            <a:endParaRPr lang="en-US" altLang="zh-CN" sz="1600" b="0" dirty="0">
+              <a:solidFill>
+                <a:srgbClr val="0067AC"/>
+              </a:solidFill>
+            </a:endParaRPr>
+          </a:p>
+          <a:p>
+            <a:pPr>
+              <a:buFont typeface="Wingdings" pitchFamily="2" charset="2"/>
+              <a:buChar char="§"/>
+            </a:pPr>
+            <a:endParaRPr lang="en-US" altLang="zh-CN" sz="1600" b="0" dirty="0">
+              <a:solidFill>
+                <a:srgbClr val="0067AC"/>
+              </a:solidFill>
+            </a:endParaRPr>
+          </a:p>
+        </p:txBody>
+      </p:sp>
     </p:spTree>
     <p:extLst>
       <p:ext uri="{BB962C8B-B14F-4D97-AF65-F5344CB8AC3E}">
@@ -19543,12 +19700,12 @@
           <a:lstStyle/>
           <a:p>
             <a:r>
-              <a:rPr lang="zh-CN" altLang="en-US" sz="4400" dirty="0" smtClean="0"/>
-              <a:t>泛</a:t>
+              <a:rPr lang="en-US" altLang="zh-CN" sz="4400" dirty="0" smtClean="0"/>
+              <a:t>Java</a:t>
             </a:r>
             <a:r>
-              <a:rPr lang="zh-CN" altLang="en-US" sz="4400" dirty="0"/>
-              <a:t>型</a:t>
+              <a:rPr lang="zh-CN" altLang="en-US" sz="4400" dirty="0" smtClean="0"/>
+              <a:t>异常处理</a:t>
             </a:r>
             <a:endParaRPr lang="en-US" sz="4400" dirty="0"/>
           </a:p>
@@ -19644,10 +19801,203 @@
           </a:prstGeom>
         </p:spPr>
       </p:pic>
+      <p:sp>
+        <p:nvSpPr>
+          <p:cNvPr id="3" name="矩形 2"/>
+          <p:cNvSpPr/>
+          <p:nvPr/>
+        </p:nvSpPr>
+        <p:spPr>
+          <a:xfrm>
+            <a:off x="1685498" y="2046532"/>
+            <a:ext cx="5274859" cy="2308324"/>
+          </a:xfrm>
+          <a:prstGeom prst="rect">
+            <a:avLst/>
+          </a:prstGeom>
+        </p:spPr>
+        <p:txBody>
+          <a:bodyPr wrap="square">
+            <a:spAutoFit/>
+          </a:bodyPr>
+          <a:lstStyle/>
+          <a:p>
+            <a:pPr>
+              <a:buFont typeface="Wingdings" pitchFamily="2" charset="2"/>
+              <a:buChar char="§"/>
+            </a:pPr>
+            <a:r>
+              <a:rPr lang="zh-CN" altLang="en-US" sz="1600" b="0" dirty="0" smtClean="0">
+                <a:solidFill>
+                  <a:srgbClr val="0067AC"/>
+                </a:solidFill>
+              </a:rPr>
+              <a:t>五个关键字：</a:t>
+            </a:r>
+            <a:r>
+              <a:rPr lang="en-US" altLang="zh-CN" sz="1600" b="0" dirty="0">
+                <a:solidFill>
+                  <a:srgbClr val="0067AC"/>
+                </a:solidFill>
+              </a:rPr>
+              <a:t>try</a:t>
+            </a:r>
+            <a:r>
+              <a:rPr lang="zh-CN" altLang="en-US" sz="1600" b="0" dirty="0">
+                <a:solidFill>
+                  <a:srgbClr val="0067AC"/>
+                </a:solidFill>
+              </a:rPr>
+              <a:t>、</a:t>
+            </a:r>
+            <a:r>
+              <a:rPr lang="en-US" altLang="zh-CN" sz="1600" b="0" dirty="0">
+                <a:solidFill>
+                  <a:srgbClr val="0067AC"/>
+                </a:solidFill>
+              </a:rPr>
+              <a:t>catch</a:t>
+            </a:r>
+            <a:r>
+              <a:rPr lang="zh-CN" altLang="en-US" sz="1600" b="0" dirty="0">
+                <a:solidFill>
+                  <a:srgbClr val="0067AC"/>
+                </a:solidFill>
+              </a:rPr>
+              <a:t>、</a:t>
+            </a:r>
+            <a:r>
+              <a:rPr lang="en-US" altLang="zh-CN" sz="1600" b="0" dirty="0">
+                <a:solidFill>
+                  <a:srgbClr val="0067AC"/>
+                </a:solidFill>
+              </a:rPr>
+              <a:t>finally</a:t>
+            </a:r>
+            <a:r>
+              <a:rPr lang="zh-CN" altLang="en-US" sz="1600" b="0" dirty="0">
+                <a:solidFill>
+                  <a:srgbClr val="0067AC"/>
+                </a:solidFill>
+              </a:rPr>
+              <a:t>、</a:t>
+            </a:r>
+            <a:r>
+              <a:rPr lang="en-US" altLang="zh-CN" sz="1600" b="0" dirty="0">
+                <a:solidFill>
+                  <a:srgbClr val="0067AC"/>
+                </a:solidFill>
+              </a:rPr>
+              <a:t>throw</a:t>
+            </a:r>
+            <a:r>
+              <a:rPr lang="zh-CN" altLang="en-US" sz="1600" b="0" dirty="0">
+                <a:solidFill>
+                  <a:srgbClr val="0067AC"/>
+                </a:solidFill>
+              </a:rPr>
+              <a:t>、</a:t>
+            </a:r>
+            <a:r>
+              <a:rPr lang="en-US" altLang="zh-CN" sz="1600" b="0" dirty="0" smtClean="0">
+                <a:solidFill>
+                  <a:srgbClr val="0067AC"/>
+                </a:solidFill>
+              </a:rPr>
+              <a:t>throws</a:t>
+            </a:r>
+          </a:p>
+          <a:p>
+            <a:endParaRPr lang="en-US" altLang="zh-CN" sz="1600" b="0" dirty="0" smtClean="0">
+              <a:solidFill>
+                <a:srgbClr val="0067AC"/>
+              </a:solidFill>
+            </a:endParaRPr>
+          </a:p>
+          <a:p>
+            <a:r>
+              <a:rPr lang="en-US" altLang="zh-CN" sz="1600" b="0" dirty="0">
+                <a:solidFill>
+                  <a:srgbClr val="0067AC"/>
+                </a:solidFill>
+              </a:rPr>
+              <a:t>t</a:t>
+            </a:r>
+            <a:r>
+              <a:rPr lang="en-US" altLang="zh-CN" sz="1600" b="0" dirty="0" smtClean="0">
+                <a:solidFill>
+                  <a:srgbClr val="0067AC"/>
+                </a:solidFill>
+              </a:rPr>
+              <a:t>ry {</a:t>
+            </a:r>
+          </a:p>
+          <a:p>
+            <a:r>
+              <a:rPr lang="en-US" altLang="zh-CN" sz="1600" b="0" dirty="0" smtClean="0">
+                <a:solidFill>
+                  <a:srgbClr val="0067AC"/>
+                </a:solidFill>
+              </a:rPr>
+              <a:t>} catch(Type1 e1) {</a:t>
+            </a:r>
+          </a:p>
+          <a:p>
+            <a:r>
+              <a:rPr lang="en-US" altLang="zh-CN" sz="1600" b="0" dirty="0" smtClean="0">
+                <a:solidFill>
+                  <a:srgbClr val="0067AC"/>
+                </a:solidFill>
+              </a:rPr>
+              <a:t>} catch()</a:t>
+            </a:r>
+          </a:p>
+          <a:p>
+            <a:endParaRPr lang="en-US" altLang="zh-CN" sz="1600" b="0" dirty="0" smtClean="0">
+              <a:solidFill>
+                <a:srgbClr val="0067AC"/>
+              </a:solidFill>
+            </a:endParaRPr>
+          </a:p>
+          <a:p>
+            <a:pPr>
+              <a:buFont typeface="Wingdings" pitchFamily="2" charset="2"/>
+              <a:buChar char="§"/>
+            </a:pPr>
+            <a:endParaRPr lang="en-US" altLang="zh-CN" sz="1600" b="0" dirty="0" smtClean="0">
+              <a:solidFill>
+                <a:srgbClr val="0067AC"/>
+              </a:solidFill>
+            </a:endParaRPr>
+          </a:p>
+          <a:p>
+            <a:pPr>
+              <a:buFont typeface="Wingdings" pitchFamily="2" charset="2"/>
+              <a:buChar char="§"/>
+            </a:pPr>
+            <a:endParaRPr lang="en-US" altLang="zh-CN" sz="1600" b="0" dirty="0">
+              <a:solidFill>
+                <a:srgbClr val="0067AC"/>
+              </a:solidFill>
+            </a:endParaRPr>
+          </a:p>
+          <a:p>
+            <a:pPr>
+              <a:buFont typeface="Wingdings" pitchFamily="2" charset="2"/>
+              <a:buChar char="§"/>
+            </a:pPr>
+            <a:endParaRPr lang="en-US" altLang="zh-CN" sz="1600" b="0" dirty="0">
+              <a:solidFill>
+                <a:srgbClr val="0067AC"/>
+              </a:solidFill>
+            </a:endParaRPr>
+          </a:p>
+        </p:txBody>
+      </p:sp>
     </p:spTree>
     <p:extLst>
       <p:ext uri="{BB962C8B-B14F-4D97-AF65-F5344CB8AC3E}">
-        <p14:creationId xmlns:p14="http://schemas.microsoft.com/office/powerpoint/2010/main" val="3408820915"/>
+        <p14:creationId xmlns:p14="http://schemas.microsoft.com/office/powerpoint/2010/main" val="1097255993"/>
       </p:ext>
     </p:extLst>
   </p:cSld>
@@ -19702,12 +20052,12 @@
           <a:lstStyle/>
           <a:p>
             <a:r>
-              <a:rPr lang="zh-CN" altLang="en-US" sz="4400" dirty="0" smtClean="0"/>
-              <a:t>泛</a:t>
+              <a:rPr lang="en-US" altLang="zh-CN" sz="4400" dirty="0" smtClean="0"/>
+              <a:t>Java</a:t>
             </a:r>
             <a:r>
-              <a:rPr lang="zh-CN" altLang="en-US" sz="4400" dirty="0"/>
-              <a:t>型</a:t>
+              <a:rPr lang="zh-CN" altLang="en-US" sz="4400" dirty="0" smtClean="0"/>
+              <a:t>异常处理</a:t>
             </a:r>
             <a:endParaRPr lang="en-US" sz="4400" dirty="0"/>
           </a:p>
@@ -19803,10 +20153,51 @@
           </a:prstGeom>
         </p:spPr>
       </p:pic>
+      <p:pic>
+        <p:nvPicPr>
+          <p:cNvPr id="1026" name="Picture 2" descr="http://images.cnitblog.com/i/288799/201406/051650515056805.jpg"/>
+          <p:cNvPicPr>
+            <a:picLocks noChangeAspect="1" noChangeArrowheads="1"/>
+          </p:cNvPicPr>
+          <p:nvPr/>
+        </p:nvPicPr>
+        <p:blipFill>
+          <a:blip r:embed="rId3">
+            <a:extLst>
+              <a:ext uri="{28A0092B-C50C-407E-A947-70E740481C1C}">
+                <a14:useLocalDpi xmlns:a14="http://schemas.microsoft.com/office/drawing/2010/main" val="0"/>
+              </a:ext>
+            </a:extLst>
+          </a:blip>
+          <a:srcRect/>
+          <a:stretch>
+            <a:fillRect/>
+          </a:stretch>
+        </p:blipFill>
+        <p:spPr bwMode="auto">
+          <a:xfrm>
+            <a:off x="2256859" y="2466841"/>
+            <a:ext cx="5657850" cy="3248026"/>
+          </a:xfrm>
+          <a:prstGeom prst="rect">
+            <a:avLst/>
+          </a:prstGeom>
+          <a:noFill/>
+          <a:extLst>
+            <a:ext uri="{909E8E84-426E-40DD-AFC4-6F175D3DCCD1}">
+              <a14:hiddenFill xmlns:a14="http://schemas.microsoft.com/office/drawing/2010/main">
+                <a:solidFill>
+                  <a:srgbClr val="FFFFFF"/>
+                </a:solidFill>
+              </a14:hiddenFill>
+            </a:ext>
+          </a:extLst>
+        </p:spPr>
+      </p:pic>
     </p:spTree>
     <p:extLst>
       <p:ext uri="{BB962C8B-B14F-4D97-AF65-F5344CB8AC3E}">
-        <p14:creationId xmlns:p14="http://schemas.microsoft.com/office/powerpoint/2010/main" val="1135927215"/>
+        <p14:creationId xmlns:p14="http://schemas.microsoft.com/office/powerpoint/2010/main" val="39774336"/>
       </p:ext>
     </p:extLst>
   </p:cSld>
@@ -19853,7 +20244,7 @@
         <p:spPr>
           <a:xfrm>
             <a:off x="1828800" y="625475"/>
-            <a:ext cx="7315200" cy="581025"/>
+            <a:ext cx="5936776" cy="889426"/>
           </a:xfrm>
         </p:spPr>
         <p:txBody>
@@ -19861,137 +20252,20 @@
           <a:lstStyle/>
           <a:p>
             <a:r>
-              <a:rPr lang="zh-CN" altLang="en-US" dirty="0"/>
-              <a:t>回顾</a:t>
+              <a:rPr lang="en-US" altLang="zh-CN" sz="4400" dirty="0" smtClean="0"/>
+              <a:t>Java</a:t>
             </a:r>
             <a:r>
-              <a:rPr lang="en-US" dirty="0" smtClean="0"/>
-              <a:t> &amp; </a:t>
+              <a:rPr lang="zh-CN" altLang="en-US" sz="4400" dirty="0" smtClean="0"/>
+              <a:t>异常处理</a:t>
             </a:r>
-            <a:r>
-              <a:rPr lang="zh-CN" altLang="en-US" dirty="0" smtClean="0"/>
-              <a:t>实践</a:t>
-            </a:r>
-            <a:endParaRPr lang="en-US" dirty="0"/>
+            <a:endParaRPr lang="en-US" sz="4400" dirty="0"/>
           </a:p>
         </p:txBody>
       </p:sp>
       <p:sp>
         <p:nvSpPr>
-          <p:cNvPr id="4" name="Rectangle 3"/>
-          <p:cNvSpPr/>
-          <p:nvPr/>
-        </p:nvSpPr>
-        <p:spPr>
-          <a:xfrm>
-            <a:off x="1828800" y="1705689"/>
-            <a:ext cx="6632812" cy="2831544"/>
-          </a:xfrm>
-          <a:prstGeom prst="rect">
-            <a:avLst/>
-          </a:prstGeom>
-        </p:spPr>
-        <p:txBody>
-          <a:bodyPr wrap="square">
-            <a:spAutoFit/>
-          </a:bodyPr>
-          <a:lstStyle/>
-          <a:p>
-            <a:pPr>
-              <a:buFont typeface="Wingdings" pitchFamily="2" charset="2"/>
-              <a:buChar char="§"/>
-            </a:pPr>
-            <a:r>
-              <a:rPr lang="zh-CN" altLang="en-US" sz="4000" b="0" i="1" dirty="0" smtClean="0">
-                <a:solidFill>
-                  <a:srgbClr val="0067AC"/>
-                </a:solidFill>
-                <a:latin typeface="+mn-ea"/>
-              </a:rPr>
-              <a:t>培训课程回顾</a:t>
-            </a:r>
-            <a:endParaRPr lang="en-US" altLang="zh-CN" sz="4000" b="0" i="1" dirty="0" smtClean="0">
-              <a:solidFill>
-                <a:srgbClr val="0067AC"/>
-              </a:solidFill>
-              <a:latin typeface="+mn-ea"/>
-            </a:endParaRPr>
-          </a:p>
-          <a:p>
-            <a:pPr>
-              <a:buFont typeface="Wingdings" pitchFamily="2" charset="2"/>
-              <a:buChar char="§"/>
-            </a:pPr>
-            <a:r>
-              <a:rPr lang="zh-CN" altLang="en-US" sz="4000" b="0" i="1" dirty="0" smtClean="0">
-                <a:solidFill>
-                  <a:srgbClr val="0067AC"/>
-                </a:solidFill>
-                <a:latin typeface="+mn-ea"/>
-              </a:rPr>
-              <a:t>讨论</a:t>
-            </a:r>
-            <a:endParaRPr lang="en-US" altLang="zh-CN" sz="4000" b="0" i="1" dirty="0" smtClean="0">
-              <a:solidFill>
-                <a:srgbClr val="0067AC"/>
-              </a:solidFill>
-              <a:latin typeface="+mn-ea"/>
-            </a:endParaRPr>
-          </a:p>
-          <a:p>
-            <a:pPr>
-              <a:buFont typeface="Wingdings" pitchFamily="2" charset="2"/>
-              <a:buChar char="§"/>
-            </a:pPr>
-            <a:r>
-              <a:rPr lang="zh-CN" altLang="en-US" sz="4000" b="0" i="1" dirty="0" smtClean="0">
-                <a:solidFill>
-                  <a:srgbClr val="0067AC"/>
-                </a:solidFill>
-                <a:latin typeface="+mn-ea"/>
-              </a:rPr>
-              <a:t>时间练习</a:t>
-            </a:r>
-            <a:endParaRPr lang="en-US" altLang="zh-CN" sz="4000" b="0" i="1" dirty="0" smtClean="0">
-              <a:solidFill>
-                <a:srgbClr val="0067AC"/>
-              </a:solidFill>
-              <a:latin typeface="+mn-ea"/>
-            </a:endParaRPr>
-          </a:p>
-          <a:p>
-            <a:pPr>
-              <a:buFont typeface="Wingdings" pitchFamily="2" charset="2"/>
-              <a:buChar char="§"/>
-            </a:pPr>
-            <a:r>
-              <a:rPr lang="zh-CN" altLang="en-US" sz="4000" b="0" i="1" dirty="0" smtClean="0">
-                <a:solidFill>
-                  <a:srgbClr val="0067AC"/>
-                </a:solidFill>
-                <a:latin typeface="+mn-ea"/>
-              </a:rPr>
-              <a:t>知识点</a:t>
-            </a:r>
-            <a:endParaRPr lang="en-US" altLang="zh-CN" sz="4000" b="0" dirty="0" smtClean="0">
-              <a:solidFill>
-                <a:srgbClr val="0067AC"/>
-              </a:solidFill>
-              <a:latin typeface="+mn-ea"/>
-            </a:endParaRPr>
-          </a:p>
-          <a:p>
-            <a:endParaRPr lang="en-US" sz="1800" b="0" dirty="0">
-              <a:solidFill>
-                <a:srgbClr val="0067AC"/>
-              </a:solidFill>
-            </a:endParaRPr>
-          </a:p>
-        </p:txBody>
-      </p:sp>
-      <p:sp>
-        <p:nvSpPr>
-          <p:cNvPr id="6" name="矩形 5"/>
+          <p:cNvPr id="34" name="矩形 5"/>
           <p:cNvSpPr/>
           <p:nvPr/>
         </p:nvSpPr>
@@ -20079,7 +20353,226 @@
           </a:prstGeom>
         </p:spPr>
       </p:pic>
+      <p:sp>
+        <p:nvSpPr>
+          <p:cNvPr id="3" name="矩形 2"/>
+          <p:cNvSpPr/>
+          <p:nvPr/>
+        </p:nvSpPr>
+        <p:spPr>
+          <a:xfrm>
+            <a:off x="1685498" y="2046532"/>
+            <a:ext cx="5274859" cy="1815882"/>
+          </a:xfrm>
+          <a:prstGeom prst="rect">
+            <a:avLst/>
+          </a:prstGeom>
+        </p:spPr>
+        <p:txBody>
+          <a:bodyPr wrap="square">
+            <a:spAutoFit/>
+          </a:bodyPr>
+          <a:lstStyle/>
+          <a:p>
+            <a:pPr>
+              <a:buFont typeface="Wingdings" pitchFamily="2" charset="2"/>
+              <a:buChar char="§"/>
+            </a:pPr>
+            <a:r>
+              <a:rPr lang="zh-CN" altLang="en-US" sz="1600" b="0" dirty="0" smtClean="0">
+                <a:solidFill>
+                  <a:srgbClr val="0067AC"/>
+                </a:solidFill>
+              </a:rPr>
+              <a:t>五个关键字：</a:t>
+            </a:r>
+            <a:r>
+              <a:rPr lang="en-US" altLang="zh-CN" sz="1600" b="0" dirty="0">
+                <a:solidFill>
+                  <a:srgbClr val="0067AC"/>
+                </a:solidFill>
+              </a:rPr>
+              <a:t>try</a:t>
+            </a:r>
+            <a:r>
+              <a:rPr lang="zh-CN" altLang="en-US" sz="1600" b="0" dirty="0">
+                <a:solidFill>
+                  <a:srgbClr val="0067AC"/>
+                </a:solidFill>
+              </a:rPr>
+              <a:t>、</a:t>
+            </a:r>
+            <a:r>
+              <a:rPr lang="en-US" altLang="zh-CN" sz="1600" b="0" dirty="0">
+                <a:solidFill>
+                  <a:srgbClr val="0067AC"/>
+                </a:solidFill>
+              </a:rPr>
+              <a:t>catch</a:t>
+            </a:r>
+            <a:r>
+              <a:rPr lang="zh-CN" altLang="en-US" sz="1600" b="0" dirty="0">
+                <a:solidFill>
+                  <a:srgbClr val="0067AC"/>
+                </a:solidFill>
+              </a:rPr>
+              <a:t>、</a:t>
+            </a:r>
+            <a:r>
+              <a:rPr lang="en-US" altLang="zh-CN" sz="1600" b="0" dirty="0">
+                <a:solidFill>
+                  <a:srgbClr val="0067AC"/>
+                </a:solidFill>
+              </a:rPr>
+              <a:t>finally</a:t>
+            </a:r>
+            <a:r>
+              <a:rPr lang="zh-CN" altLang="en-US" sz="1600" b="0" dirty="0">
+                <a:solidFill>
+                  <a:srgbClr val="0067AC"/>
+                </a:solidFill>
+              </a:rPr>
+              <a:t>、</a:t>
+            </a:r>
+            <a:r>
+              <a:rPr lang="en-US" altLang="zh-CN" sz="1600" b="0" dirty="0">
+                <a:solidFill>
+                  <a:srgbClr val="0067AC"/>
+                </a:solidFill>
+              </a:rPr>
+              <a:t>throw</a:t>
+            </a:r>
+            <a:r>
+              <a:rPr lang="zh-CN" altLang="en-US" sz="1600" b="0" dirty="0">
+                <a:solidFill>
+                  <a:srgbClr val="0067AC"/>
+                </a:solidFill>
+              </a:rPr>
+              <a:t>、</a:t>
+            </a:r>
+            <a:r>
+              <a:rPr lang="en-US" altLang="zh-CN" sz="1600" b="0" dirty="0" smtClean="0">
+                <a:solidFill>
+                  <a:srgbClr val="0067AC"/>
+                </a:solidFill>
+              </a:rPr>
+              <a:t>throws</a:t>
+            </a:r>
+          </a:p>
+          <a:p>
+            <a:endParaRPr lang="en-US" altLang="zh-CN" sz="1600" b="0" dirty="0" smtClean="0">
+              <a:solidFill>
+                <a:srgbClr val="0067AC"/>
+              </a:solidFill>
+            </a:endParaRPr>
+          </a:p>
+          <a:p>
+            <a:r>
+              <a:rPr lang="en-US" altLang="zh-CN" sz="1600" b="0" dirty="0">
+                <a:solidFill>
+                  <a:srgbClr val="0067AC"/>
+                </a:solidFill>
+              </a:rPr>
+              <a:t>t</a:t>
+            </a:r>
+            <a:r>
+              <a:rPr lang="en-US" altLang="zh-CN" sz="1600" b="0" dirty="0" smtClean="0">
+                <a:solidFill>
+                  <a:srgbClr val="0067AC"/>
+                </a:solidFill>
+              </a:rPr>
+              <a:t>ry {</a:t>
+            </a:r>
+          </a:p>
+          <a:p>
+            <a:endParaRPr lang="en-US" altLang="zh-CN" sz="1600" b="0" dirty="0" smtClean="0">
+              <a:solidFill>
+                <a:srgbClr val="0067AC"/>
+              </a:solidFill>
+            </a:endParaRPr>
+          </a:p>
+          <a:p>
+            <a:pPr>
+              <a:buFont typeface="Wingdings" pitchFamily="2" charset="2"/>
+              <a:buChar char="§"/>
+            </a:pPr>
+            <a:endParaRPr lang="en-US" altLang="zh-CN" sz="1600" b="0" dirty="0" smtClean="0">
+              <a:solidFill>
+                <a:srgbClr val="0067AC"/>
+              </a:solidFill>
+            </a:endParaRPr>
+          </a:p>
+          <a:p>
+            <a:pPr>
+              <a:buFont typeface="Wingdings" pitchFamily="2" charset="2"/>
+              <a:buChar char="§"/>
+            </a:pPr>
+            <a:endParaRPr lang="en-US" altLang="zh-CN" sz="1600" b="0" dirty="0">
+              <a:solidFill>
+                <a:srgbClr val="0067AC"/>
+              </a:solidFill>
+            </a:endParaRPr>
+          </a:p>
+          <a:p>
+            <a:pPr>
+              <a:buFont typeface="Wingdings" pitchFamily="2" charset="2"/>
+              <a:buChar char="§"/>
+            </a:pPr>
+            <a:endParaRPr lang="en-US" altLang="zh-CN" sz="1600" b="0" dirty="0">
+              <a:solidFill>
+                <a:srgbClr val="0067AC"/>
+              </a:solidFill>
+            </a:endParaRPr>
+          </a:p>
+        </p:txBody>
+      </p:sp>
+      <p:pic>
+        <p:nvPicPr>
+          <p:cNvPr id="1026" name="Picture 2" descr="http://images.cnitblog.com/i/288799/201406/051650515056805.jpg"/>
+          <p:cNvPicPr>
+            <a:picLocks noChangeAspect="1" noChangeArrowheads="1"/>
+          </p:cNvPicPr>
+          <p:nvPr/>
+        </p:nvPicPr>
+        <p:blipFill>
+          <a:blip r:embed="rId3">
+            <a:extLst>
+              <a:ext uri="{28A0092B-C50C-407E-A947-70E740481C1C}">
+                <a14:useLocalDpi xmlns:a14="http://schemas.microsoft.com/office/drawing/2010/main" val="0"/>
+              </a:ext>
+            </a:extLst>
+          </a:blip>
+          <a:srcRect/>
+          <a:stretch>
+            <a:fillRect/>
+          </a:stretch>
+        </p:blipFill>
+        <p:spPr bwMode="auto">
+          <a:xfrm>
+            <a:off x="1956608" y="3086076"/>
+            <a:ext cx="5657850" cy="3248026"/>
+          </a:xfrm>
+          <a:prstGeom prst="rect">
+            <a:avLst/>
+          </a:prstGeom>
+          <a:noFill/>
+          <a:extLst>
+            <a:ext uri="{909E8E84-426E-40DD-AFC4-6F175D3DCCD1}">
+              <a14:hiddenFill xmlns:a14="http://schemas.microsoft.com/office/drawing/2010/main">
+                <a:solidFill>
+                  <a:srgbClr val="FFFFFF"/>
+                </a:solidFill>
+              </a14:hiddenFill>
+            </a:ext>
+          </a:extLst>
+        </p:spPr>
+      </p:pic>
     </p:spTree>
+    <p:extLst>
+      <p:ext uri="{BB962C8B-B14F-4D97-AF65-F5344CB8AC3E}">
+        <p14:creationId xmlns:p14="http://schemas.microsoft.com/office/powerpoint/2010/main" val="3735145480"/>
+      </p:ext>
+    </p:extLst>
   </p:cSld>
   <p:clrMapOvr>
     <a:masterClrMapping/>
@@ -20460,6 +20953,595 @@
 </file>
 
 <file path=ppt/slides/slide30.xml><?xml version="1.0" encoding="utf-8"?>
+<p:sld xmlns:a="http://schemas.openxmlformats.org/drawingml/2006/main" xmlns:r="http://schemas.openxmlformats.org/officeDocument/2006/relationships" xmlns:p="http://schemas.openxmlformats.org/presentationml/2006/main">
+  <p:cSld>
+    <p:spTree>
+      <p:nvGrpSpPr>
+        <p:cNvPr id="1" name=""/>
+        <p:cNvGrpSpPr/>
+        <p:nvPr/>
+      </p:nvGrpSpPr>
+      <p:grpSpPr>
+        <a:xfrm>
+          <a:off x="0" y="0"/>
+          <a:ext cx="0" cy="0"/>
+          <a:chOff x="0" y="0"/>
+          <a:chExt cx="0" cy="0"/>
+        </a:xfrm>
+      </p:grpSpPr>
+      <p:sp>
+        <p:nvSpPr>
+          <p:cNvPr id="2" name="Title 1"/>
+          <p:cNvSpPr>
+            <a:spLocks noGrp="1"/>
+          </p:cNvSpPr>
+          <p:nvPr>
+            <p:ph type="title"/>
+          </p:nvPr>
+        </p:nvSpPr>
+        <p:spPr>
+          <a:xfrm>
+            <a:off x="1828800" y="625475"/>
+            <a:ext cx="5936776" cy="889426"/>
+          </a:xfrm>
+        </p:spPr>
+        <p:txBody>
+          <a:bodyPr/>
+          <a:lstStyle/>
+          <a:p>
+            <a:r>
+              <a:rPr lang="zh-CN" altLang="en-US" sz="4400" dirty="0" smtClean="0"/>
+              <a:t>泛</a:t>
+            </a:r>
+            <a:r>
+              <a:rPr lang="zh-CN" altLang="en-US" sz="4400" dirty="0"/>
+              <a:t>型</a:t>
+            </a:r>
+            <a:endParaRPr lang="en-US" sz="4400" dirty="0"/>
+          </a:p>
+        </p:txBody>
+      </p:sp>
+      <p:sp>
+        <p:nvSpPr>
+          <p:cNvPr id="34" name="矩形 5"/>
+          <p:cNvSpPr/>
+          <p:nvPr/>
+        </p:nvSpPr>
+        <p:spPr bwMode="auto">
+          <a:xfrm>
+            <a:off x="7614458" y="6666807"/>
+            <a:ext cx="1529542" cy="191193"/>
+          </a:xfrm>
+          <a:prstGeom prst="rect">
+            <a:avLst/>
+          </a:prstGeom>
+          <a:solidFill>
+            <a:srgbClr val="003366"/>
+          </a:solidFill>
+          <a:ln>
+            <a:noFill/>
+          </a:ln>
+          <a:effectLst/>
+          <a:extLst/>
+        </p:spPr>
+        <p:txBody>
+          <a:bodyPr vert="horz" wrap="square" lIns="91440" tIns="45720" rIns="91440" bIns="45720" numCol="1" rtlCol="0" anchor="t" anchorCtr="0" compatLnSpc="1">
+            <a:prstTxWarp prst="textNoShape">
+              <a:avLst/>
+            </a:prstTxWarp>
+          </a:bodyPr>
+          <a:lstStyle/>
+          <a:p>
+            <a:pPr marL="0" marR="0" indent="0" algn="r" defTabSz="914400" rtl="0" eaLnBrk="1" fontAlgn="base" latinLnBrk="0" hangingPunct="1">
+              <a:lnSpc>
+                <a:spcPct val="100000"/>
+              </a:lnSpc>
+              <a:spcBef>
+                <a:spcPct val="0"/>
+              </a:spcBef>
+              <a:spcAft>
+                <a:spcPct val="0"/>
+              </a:spcAft>
+              <a:buClrTx/>
+              <a:buSzTx/>
+              <a:buFontTx/>
+              <a:buNone/>
+              <a:tabLst/>
+            </a:pPr>
+            <a:endParaRPr kumimoji="0" lang="zh-CN" altLang="en-US" sz="1000" b="1" i="0" u="none" strike="noStrike" cap="none" normalizeH="0" baseline="0" smtClean="0">
+              <a:ln>
+                <a:noFill/>
+              </a:ln>
+              <a:solidFill>
+                <a:schemeClr val="bg1"/>
+              </a:solidFill>
+              <a:effectLst/>
+              <a:latin typeface="Arial" panose="020B0604020202020204" pitchFamily="34" charset="0"/>
+            </a:endParaRPr>
+          </a:p>
+        </p:txBody>
+      </p:sp>
+      <p:pic>
+        <p:nvPicPr>
+          <p:cNvPr id="7" name="图片 6"/>
+          <p:cNvPicPr>
+            <a:picLocks noChangeAspect="1"/>
+          </p:cNvPicPr>
+          <p:nvPr/>
+        </p:nvPicPr>
+        <p:blipFill>
+          <a:blip r:embed="rId2" cstate="print">
+            <a:extLst>
+              <a:ext uri="{28A0092B-C50C-407E-A947-70E740481C1C}">
+                <a14:useLocalDpi xmlns:a14="http://schemas.microsoft.com/office/drawing/2010/main" val="0"/>
+              </a:ext>
+            </a:extLst>
+          </a:blip>
+          <a:stretch>
+            <a:fillRect/>
+          </a:stretch>
+        </p:blipFill>
+        <p:spPr>
+          <a:xfrm>
+            <a:off x="205658" y="316803"/>
+            <a:ext cx="1036287" cy="740205"/>
+          </a:xfrm>
+          <a:prstGeom prst="rect">
+            <a:avLst/>
+          </a:prstGeom>
+        </p:spPr>
+      </p:pic>
+    </p:spTree>
+    <p:extLst>
+      <p:ext uri="{BB962C8B-B14F-4D97-AF65-F5344CB8AC3E}">
+        <p14:creationId xmlns:p14="http://schemas.microsoft.com/office/powerpoint/2010/main" val="3408820915"/>
+      </p:ext>
+    </p:extLst>
+  </p:cSld>
+  <p:clrMapOvr>
+    <a:masterClrMapping/>
+  </p:clrMapOvr>
+  <p:timing>
+    <p:tnLst>
+      <p:par>
+        <p:cTn id="1" dur="indefinite" restart="never" nodeType="tmRoot"/>
+      </p:par>
+    </p:tnLst>
+  </p:timing>
+</p:sld>
+</file>
+
+<file path=ppt/slides/slide31.xml><?xml version="1.0" encoding="utf-8"?>
+<p:sld xmlns:a="http://schemas.openxmlformats.org/drawingml/2006/main" xmlns:r="http://schemas.openxmlformats.org/officeDocument/2006/relationships" xmlns:p="http://schemas.openxmlformats.org/presentationml/2006/main">
+  <p:cSld>
+    <p:spTree>
+      <p:nvGrpSpPr>
+        <p:cNvPr id="1" name=""/>
+        <p:cNvGrpSpPr/>
+        <p:nvPr/>
+      </p:nvGrpSpPr>
+      <p:grpSpPr>
+        <a:xfrm>
+          <a:off x="0" y="0"/>
+          <a:ext cx="0" cy="0"/>
+          <a:chOff x="0" y="0"/>
+          <a:chExt cx="0" cy="0"/>
+        </a:xfrm>
+      </p:grpSpPr>
+      <p:sp>
+        <p:nvSpPr>
+          <p:cNvPr id="2" name="Title 1"/>
+          <p:cNvSpPr>
+            <a:spLocks noGrp="1"/>
+          </p:cNvSpPr>
+          <p:nvPr>
+            <p:ph type="title"/>
+          </p:nvPr>
+        </p:nvSpPr>
+        <p:spPr>
+          <a:xfrm>
+            <a:off x="1828800" y="625475"/>
+            <a:ext cx="5936776" cy="889426"/>
+          </a:xfrm>
+        </p:spPr>
+        <p:txBody>
+          <a:bodyPr/>
+          <a:lstStyle/>
+          <a:p>
+            <a:r>
+              <a:rPr lang="zh-CN" altLang="en-US" sz="4400" dirty="0" smtClean="0"/>
+              <a:t>泛</a:t>
+            </a:r>
+            <a:r>
+              <a:rPr lang="zh-CN" altLang="en-US" sz="4400" dirty="0"/>
+              <a:t>型</a:t>
+            </a:r>
+            <a:endParaRPr lang="en-US" sz="4400" dirty="0"/>
+          </a:p>
+        </p:txBody>
+      </p:sp>
+      <p:sp>
+        <p:nvSpPr>
+          <p:cNvPr id="34" name="矩形 5"/>
+          <p:cNvSpPr/>
+          <p:nvPr/>
+        </p:nvSpPr>
+        <p:spPr bwMode="auto">
+          <a:xfrm>
+            <a:off x="7614458" y="6666807"/>
+            <a:ext cx="1529542" cy="191193"/>
+          </a:xfrm>
+          <a:prstGeom prst="rect">
+            <a:avLst/>
+          </a:prstGeom>
+          <a:solidFill>
+            <a:srgbClr val="003366"/>
+          </a:solidFill>
+          <a:ln>
+            <a:noFill/>
+          </a:ln>
+          <a:effectLst/>
+          <a:extLst/>
+        </p:spPr>
+        <p:txBody>
+          <a:bodyPr vert="horz" wrap="square" lIns="91440" tIns="45720" rIns="91440" bIns="45720" numCol="1" rtlCol="0" anchor="t" anchorCtr="0" compatLnSpc="1">
+            <a:prstTxWarp prst="textNoShape">
+              <a:avLst/>
+            </a:prstTxWarp>
+          </a:bodyPr>
+          <a:lstStyle/>
+          <a:p>
+            <a:pPr marL="0" marR="0" indent="0" algn="r" defTabSz="914400" rtl="0" eaLnBrk="1" fontAlgn="base" latinLnBrk="0" hangingPunct="1">
+              <a:lnSpc>
+                <a:spcPct val="100000"/>
+              </a:lnSpc>
+              <a:spcBef>
+                <a:spcPct val="0"/>
+              </a:spcBef>
+              <a:spcAft>
+                <a:spcPct val="0"/>
+              </a:spcAft>
+              <a:buClrTx/>
+              <a:buSzTx/>
+              <a:buFontTx/>
+              <a:buNone/>
+              <a:tabLst/>
+            </a:pPr>
+            <a:endParaRPr kumimoji="0" lang="zh-CN" altLang="en-US" sz="1000" b="1" i="0" u="none" strike="noStrike" cap="none" normalizeH="0" baseline="0" smtClean="0">
+              <a:ln>
+                <a:noFill/>
+              </a:ln>
+              <a:solidFill>
+                <a:schemeClr val="bg1"/>
+              </a:solidFill>
+              <a:effectLst/>
+              <a:latin typeface="Arial" panose="020B0604020202020204" pitchFamily="34" charset="0"/>
+            </a:endParaRPr>
+          </a:p>
+        </p:txBody>
+      </p:sp>
+      <p:pic>
+        <p:nvPicPr>
+          <p:cNvPr id="7" name="图片 6"/>
+          <p:cNvPicPr>
+            <a:picLocks noChangeAspect="1"/>
+          </p:cNvPicPr>
+          <p:nvPr/>
+        </p:nvPicPr>
+        <p:blipFill>
+          <a:blip r:embed="rId2" cstate="print">
+            <a:extLst>
+              <a:ext uri="{28A0092B-C50C-407E-A947-70E740481C1C}">
+                <a14:useLocalDpi xmlns:a14="http://schemas.microsoft.com/office/drawing/2010/main" val="0"/>
+              </a:ext>
+            </a:extLst>
+          </a:blip>
+          <a:stretch>
+            <a:fillRect/>
+          </a:stretch>
+        </p:blipFill>
+        <p:spPr>
+          <a:xfrm>
+            <a:off x="205658" y="316803"/>
+            <a:ext cx="1036287" cy="740205"/>
+          </a:xfrm>
+          <a:prstGeom prst="rect">
+            <a:avLst/>
+          </a:prstGeom>
+        </p:spPr>
+      </p:pic>
+    </p:spTree>
+    <p:extLst>
+      <p:ext uri="{BB962C8B-B14F-4D97-AF65-F5344CB8AC3E}">
+        <p14:creationId xmlns:p14="http://schemas.microsoft.com/office/powerpoint/2010/main" val="1135927215"/>
+      </p:ext>
+    </p:extLst>
+  </p:cSld>
+  <p:clrMapOvr>
+    <a:masterClrMapping/>
+  </p:clrMapOvr>
+  <p:timing>
+    <p:tnLst>
+      <p:par>
+        <p:cTn id="1" dur="indefinite" restart="never" nodeType="tmRoot"/>
+      </p:par>
+    </p:tnLst>
+  </p:timing>
+</p:sld>
+</file>
+
+<file path=ppt/slides/slide32.xml><?xml version="1.0" encoding="utf-8"?>
+<p:sld xmlns:a="http://schemas.openxmlformats.org/drawingml/2006/main" xmlns:r="http://schemas.openxmlformats.org/officeDocument/2006/relationships" xmlns:p="http://schemas.openxmlformats.org/presentationml/2006/main">
+  <p:cSld>
+    <p:spTree>
+      <p:nvGrpSpPr>
+        <p:cNvPr id="1" name=""/>
+        <p:cNvGrpSpPr/>
+        <p:nvPr/>
+      </p:nvGrpSpPr>
+      <p:grpSpPr>
+        <a:xfrm>
+          <a:off x="0" y="0"/>
+          <a:ext cx="0" cy="0"/>
+          <a:chOff x="0" y="0"/>
+          <a:chExt cx="0" cy="0"/>
+        </a:xfrm>
+      </p:grpSpPr>
+      <p:sp>
+        <p:nvSpPr>
+          <p:cNvPr id="2" name="Title 1"/>
+          <p:cNvSpPr>
+            <a:spLocks noGrp="1"/>
+          </p:cNvSpPr>
+          <p:nvPr>
+            <p:ph type="title"/>
+          </p:nvPr>
+        </p:nvSpPr>
+        <p:spPr>
+          <a:xfrm>
+            <a:off x="1828800" y="625475"/>
+            <a:ext cx="7315200" cy="581025"/>
+          </a:xfrm>
+        </p:spPr>
+        <p:txBody>
+          <a:bodyPr/>
+          <a:lstStyle/>
+          <a:p>
+            <a:r>
+              <a:rPr lang="zh-CN" altLang="en-US" dirty="0"/>
+              <a:t>回顾</a:t>
+            </a:r>
+            <a:r>
+              <a:rPr lang="en-US" dirty="0" smtClean="0"/>
+              <a:t> &amp; </a:t>
+            </a:r>
+            <a:r>
+              <a:rPr lang="zh-CN" altLang="en-US" dirty="0" smtClean="0"/>
+              <a:t>实践</a:t>
+            </a:r>
+            <a:endParaRPr lang="en-US" dirty="0"/>
+          </a:p>
+        </p:txBody>
+      </p:sp>
+      <p:sp>
+        <p:nvSpPr>
+          <p:cNvPr id="4" name="Rectangle 3"/>
+          <p:cNvSpPr/>
+          <p:nvPr/>
+        </p:nvSpPr>
+        <p:spPr>
+          <a:xfrm>
+            <a:off x="1828800" y="1705689"/>
+            <a:ext cx="6632812" cy="2831544"/>
+          </a:xfrm>
+          <a:prstGeom prst="rect">
+            <a:avLst/>
+          </a:prstGeom>
+        </p:spPr>
+        <p:txBody>
+          <a:bodyPr wrap="square">
+            <a:spAutoFit/>
+          </a:bodyPr>
+          <a:lstStyle/>
+          <a:p>
+            <a:pPr>
+              <a:buFont typeface="Wingdings" pitchFamily="2" charset="2"/>
+              <a:buChar char="§"/>
+            </a:pPr>
+            <a:r>
+              <a:rPr lang="zh-CN" altLang="en-US" sz="4000" b="0" i="1" dirty="0" smtClean="0">
+                <a:solidFill>
+                  <a:srgbClr val="0067AC"/>
+                </a:solidFill>
+                <a:latin typeface="+mn-ea"/>
+              </a:rPr>
+              <a:t>培训课程回顾</a:t>
+            </a:r>
+            <a:endParaRPr lang="en-US" altLang="zh-CN" sz="4000" b="0" i="1" dirty="0" smtClean="0">
+              <a:solidFill>
+                <a:srgbClr val="0067AC"/>
+              </a:solidFill>
+              <a:latin typeface="+mn-ea"/>
+            </a:endParaRPr>
+          </a:p>
+          <a:p>
+            <a:pPr>
+              <a:buFont typeface="Wingdings" pitchFamily="2" charset="2"/>
+              <a:buChar char="§"/>
+            </a:pPr>
+            <a:r>
+              <a:rPr lang="zh-CN" altLang="en-US" sz="4000" b="0" i="1" dirty="0" smtClean="0">
+                <a:solidFill>
+                  <a:srgbClr val="0067AC"/>
+                </a:solidFill>
+                <a:latin typeface="+mn-ea"/>
+              </a:rPr>
+              <a:t>讨论</a:t>
+            </a:r>
+            <a:endParaRPr lang="en-US" altLang="zh-CN" sz="4000" b="0" i="1" dirty="0" smtClean="0">
+              <a:solidFill>
+                <a:srgbClr val="0067AC"/>
+              </a:solidFill>
+              <a:latin typeface="+mn-ea"/>
+            </a:endParaRPr>
+          </a:p>
+          <a:p>
+            <a:pPr>
+              <a:buFont typeface="Wingdings" pitchFamily="2" charset="2"/>
+              <a:buChar char="§"/>
+            </a:pPr>
+            <a:r>
+              <a:rPr lang="zh-CN" altLang="en-US" sz="4000" b="0" i="1" dirty="0" smtClean="0">
+                <a:solidFill>
+                  <a:srgbClr val="0067AC"/>
+                </a:solidFill>
+                <a:latin typeface="+mn-ea"/>
+              </a:rPr>
+              <a:t>时间练习</a:t>
+            </a:r>
+            <a:endParaRPr lang="en-US" altLang="zh-CN" sz="4000" b="0" i="1" dirty="0" smtClean="0">
+              <a:solidFill>
+                <a:srgbClr val="0067AC"/>
+              </a:solidFill>
+              <a:latin typeface="+mn-ea"/>
+            </a:endParaRPr>
+          </a:p>
+          <a:p>
+            <a:pPr>
+              <a:buFont typeface="Wingdings" pitchFamily="2" charset="2"/>
+              <a:buChar char="§"/>
+            </a:pPr>
+            <a:r>
+              <a:rPr lang="zh-CN" altLang="en-US" sz="4000" b="0" i="1" dirty="0" smtClean="0">
+                <a:solidFill>
+                  <a:srgbClr val="0067AC"/>
+                </a:solidFill>
+                <a:latin typeface="+mn-ea"/>
+              </a:rPr>
+              <a:t>知识点</a:t>
+            </a:r>
+            <a:endParaRPr lang="en-US" altLang="zh-CN" sz="4000" b="0" dirty="0" smtClean="0">
+              <a:solidFill>
+                <a:srgbClr val="0067AC"/>
+              </a:solidFill>
+              <a:latin typeface="+mn-ea"/>
+            </a:endParaRPr>
+          </a:p>
+          <a:p>
+            <a:endParaRPr lang="en-US" sz="1800" b="0" dirty="0">
+              <a:solidFill>
+                <a:srgbClr val="0067AC"/>
+              </a:solidFill>
+            </a:endParaRPr>
+          </a:p>
+        </p:txBody>
+      </p:sp>
+      <p:sp>
+        <p:nvSpPr>
+          <p:cNvPr id="6" name="矩形 5"/>
+          <p:cNvSpPr/>
+          <p:nvPr/>
+        </p:nvSpPr>
+        <p:spPr bwMode="auto">
+          <a:xfrm>
+            <a:off x="7614458" y="6666807"/>
+            <a:ext cx="1529542" cy="191193"/>
+          </a:xfrm>
+          <a:prstGeom prst="rect">
+            <a:avLst/>
+          </a:prstGeom>
+          <a:solidFill>
+            <a:srgbClr val="003366"/>
+          </a:solidFill>
+          <a:ln>
+            <a:noFill/>
+          </a:ln>
+          <a:effectLst/>
+          <a:extLst/>
+        </p:spPr>
+        <p:txBody>
+          <a:bodyPr vert="horz" wrap="square" lIns="91440" tIns="45720" rIns="91440" bIns="45720" numCol="1" rtlCol="0" anchor="t" anchorCtr="0" compatLnSpc="1">
+            <a:prstTxWarp prst="textNoShape">
+              <a:avLst/>
+            </a:prstTxWarp>
+          </a:bodyPr>
+          <a:lstStyle/>
+          <a:p>
+            <a:pPr marL="0" marR="0" indent="0" algn="r" defTabSz="914400" rtl="0" eaLnBrk="1" fontAlgn="base" latinLnBrk="0" hangingPunct="1">
+              <a:lnSpc>
+                <a:spcPct val="100000"/>
+              </a:lnSpc>
+              <a:spcBef>
+                <a:spcPct val="0"/>
+              </a:spcBef>
+              <a:spcAft>
+                <a:spcPct val="0"/>
+              </a:spcAft>
+              <a:buClrTx/>
+              <a:buSzTx/>
+              <a:buFontTx/>
+              <a:buNone/>
+              <a:tabLst/>
+            </a:pPr>
+            <a:endParaRPr kumimoji="0" lang="zh-CN" altLang="en-US" sz="1000" b="1" i="0" u="none" strike="noStrike" cap="none" normalizeH="0" baseline="0" smtClean="0">
+              <a:ln>
+                <a:noFill/>
+              </a:ln>
+              <a:solidFill>
+                <a:schemeClr val="bg1"/>
+              </a:solidFill>
+              <a:effectLst/>
+              <a:latin typeface="Arial" panose="020B0604020202020204" pitchFamily="34" charset="0"/>
+            </a:endParaRPr>
+          </a:p>
+        </p:txBody>
+      </p:sp>
+      <p:pic>
+        <p:nvPicPr>
+          <p:cNvPr id="7" name="图片 6"/>
+          <p:cNvPicPr>
+            <a:picLocks noChangeAspect="1"/>
+          </p:cNvPicPr>
+          <p:nvPr/>
+        </p:nvPicPr>
+        <p:blipFill>
+          <a:blip r:embed="rId2" cstate="print">
+            <a:extLst>
+              <a:ext uri="{28A0092B-C50C-407E-A947-70E740481C1C}">
+                <a14:useLocalDpi xmlns:a14="http://schemas.microsoft.com/office/drawing/2010/main" val="0"/>
+              </a:ext>
+            </a:extLst>
+          </a:blip>
+          <a:stretch>
+            <a:fillRect/>
+          </a:stretch>
+        </p:blipFill>
+        <p:spPr>
+          <a:xfrm>
+            <a:off x="205658" y="316803"/>
+            <a:ext cx="1036287" cy="740205"/>
+          </a:xfrm>
+          <a:prstGeom prst="rect">
+            <a:avLst/>
+          </a:prstGeom>
+        </p:spPr>
+      </p:pic>
+    </p:spTree>
+  </p:cSld>
+  <p:clrMapOvr>
+    <a:masterClrMapping/>
+  </p:clrMapOvr>
+  <p:timing>
+    <p:tnLst>
+      <p:par>
+        <p:cTn id="1" dur="indefinite" restart="never" nodeType="tmRoot"/>
+      </p:par>
+    </p:tnLst>
+  </p:timing>
+</p:sld>
+</file>
+
+<file path=ppt/slides/slide33.xml><?xml version="1.0" encoding="utf-8"?>
 <p:sld xmlns:a="http://schemas.openxmlformats.org/drawingml/2006/main" xmlns:r="http://schemas.openxmlformats.org/officeDocument/2006/relationships" xmlns:p="http://schemas.openxmlformats.org/presentationml/2006/main">
   <p:cSld>
     <p:spTree>
@@ -34324,7 +35406,7 @@
 </p:sld>
 </file>
 
-<file path=ppt/slides/slide31.xml><?xml version="1.0" encoding="utf-8"?>
+<file path=ppt/slides/slide34.xml><?xml version="1.0" encoding="utf-8"?>
 <p:sld xmlns:a="http://schemas.openxmlformats.org/drawingml/2006/main" xmlns:r="http://schemas.openxmlformats.org/officeDocument/2006/relationships" xmlns:p="http://schemas.openxmlformats.org/presentationml/2006/main">
   <p:cSld>
     <p:spTree>
@@ -34520,7 +35602,7 @@
 </p:sld>
 </file>
 
-<file path=ppt/slides/slide32.xml><?xml version="1.0" encoding="utf-8"?>
+<file path=ppt/slides/slide35.xml><?xml version="1.0" encoding="utf-8"?>
 <p:sld xmlns:a="http://schemas.openxmlformats.org/drawingml/2006/main" xmlns:r="http://schemas.openxmlformats.org/officeDocument/2006/relationships" xmlns:p="http://schemas.openxmlformats.org/presentationml/2006/main">
   <p:cSld>
     <p:spTree>
